--- a/Kotlin Sözlük Uygulaması Proje/Sözlük Uygulaması.pptx
+++ b/Kotlin Sözlük Uygulaması Proje/Sözlük Uygulaması.pptx
@@ -5,7 +5,7 @@
     <p:sldMasterId id="2147483801" r:id="rId1"/>
   </p:sldMasterIdLst>
   <p:notesMasterIdLst>
-    <p:notesMasterId r:id="rId16"/>
+    <p:notesMasterId r:id="rId17"/>
   </p:notesMasterIdLst>
   <p:sldIdLst>
     <p:sldId id="256" r:id="rId2"/>
@@ -17,11 +17,12 @@
     <p:sldId id="260" r:id="rId8"/>
     <p:sldId id="266" r:id="rId9"/>
     <p:sldId id="268" r:id="rId10"/>
-    <p:sldId id="269" r:id="rId11"/>
+    <p:sldId id="271" r:id="rId11"/>
     <p:sldId id="270" r:id="rId12"/>
-    <p:sldId id="264" r:id="rId13"/>
-    <p:sldId id="265" r:id="rId14"/>
-    <p:sldId id="267" r:id="rId15"/>
+    <p:sldId id="269" r:id="rId13"/>
+    <p:sldId id="264" r:id="rId14"/>
+    <p:sldId id="265" r:id="rId15"/>
+    <p:sldId id="267" r:id="rId16"/>
   </p:sldIdLst>
   <p:sldSz cx="12192000" cy="6858000"/>
   <p:notesSz cx="6858000" cy="9144000"/>
@@ -130,7 +131,7 @@
 
 <file path=ppt/commentAuthors.xml><?xml version="1.0" encoding="utf-8"?>
 <p:cmAuthorLst xmlns:a="http://schemas.openxmlformats.org/drawingml/2006/main" xmlns:r="http://schemas.openxmlformats.org/officeDocument/2006/relationships" xmlns:p="http://schemas.openxmlformats.org/presentationml/2006/main">
-  <p:cmAuthor id="1" name="A" initials="A" lastIdx="2" clrIdx="0">
+  <p:cmAuthor id="1" name="A" initials="A" lastIdx="3" clrIdx="0">
     <p:extLst>
       <p:ext uri="{19B8F6BF-5375-455C-9EA6-DF929625EA0E}">
         <p15:presenceInfo xmlns:p15="http://schemas.microsoft.com/office/powerpoint/2012/main" userId="A" providerId="None"/>
@@ -236,7 +237,7 @@
           <a:p>
             <a:fld id="{14895BD2-BBD9-44E5-9FDF-DA4E670518B3}" type="datetimeFigureOut">
               <a:rPr lang="tr-TR" smtClean="0"/>
-              <a:t>5.04.2020</a:t>
+              <a:t>28.04.2020</a:t>
             </a:fld>
             <a:endParaRPr lang="tr-TR"/>
           </a:p>
@@ -688,7 +689,7 @@
           <a:p>
             <a:fld id="{48A87A34-81AB-432B-8DAE-1953F412C126}" type="datetimeFigureOut">
               <a:rPr lang="en-US" smtClean="0"/>
-              <a:t>4/5/2020</a:t>
+              <a:t>4/28/2020</a:t>
             </a:fld>
             <a:endParaRPr lang="en-US" dirty="0"/>
           </a:p>
@@ -987,7 +988,7 @@
             <a:fld id="{48A87A34-81AB-432B-8DAE-1953F412C126}" type="datetimeFigureOut">
               <a:rPr lang="en-US" smtClean="0"/>
               <a:pPr/>
-              <a:t>4/5/2020</a:t>
+              <a:t>4/28/2020</a:t>
             </a:fld>
             <a:endParaRPr lang="en-US" dirty="0"/>
           </a:p>
@@ -1181,7 +1182,7 @@
             <a:fld id="{48A87A34-81AB-432B-8DAE-1953F412C126}" type="datetimeFigureOut">
               <a:rPr lang="en-US" smtClean="0"/>
               <a:pPr/>
-              <a:t>4/5/2020</a:t>
+              <a:t>4/28/2020</a:t>
             </a:fld>
             <a:endParaRPr lang="en-US" dirty="0"/>
           </a:p>
@@ -1444,7 +1445,7 @@
             <a:fld id="{48A87A34-81AB-432B-8DAE-1953F412C126}" type="datetimeFigureOut">
               <a:rPr lang="en-US" smtClean="0"/>
               <a:pPr/>
-              <a:t>4/5/2020</a:t>
+              <a:t>4/28/2020</a:t>
             </a:fld>
             <a:endParaRPr lang="en-US" dirty="0"/>
           </a:p>
@@ -1870,7 +1871,7 @@
             <a:fld id="{48A87A34-81AB-432B-8DAE-1953F412C126}" type="datetimeFigureOut">
               <a:rPr lang="en-US" smtClean="0"/>
               <a:pPr/>
-              <a:t>4/5/2020</a:t>
+              <a:t>4/28/2020</a:t>
             </a:fld>
             <a:endParaRPr lang="en-US" dirty="0"/>
           </a:p>
@@ -2409,7 +2410,7 @@
             <a:fld id="{48A87A34-81AB-432B-8DAE-1953F412C126}" type="datetimeFigureOut">
               <a:rPr lang="en-US" smtClean="0"/>
               <a:pPr/>
-              <a:t>4/5/2020</a:t>
+              <a:t>4/28/2020</a:t>
             </a:fld>
             <a:endParaRPr lang="en-US" dirty="0"/>
           </a:p>
@@ -3275,7 +3276,7 @@
             <a:fld id="{48A87A34-81AB-432B-8DAE-1953F412C126}" type="datetimeFigureOut">
               <a:rPr lang="en-US" smtClean="0"/>
               <a:pPr/>
-              <a:t>4/5/2020</a:t>
+              <a:t>4/28/2020</a:t>
             </a:fld>
             <a:endParaRPr lang="en-US" dirty="0"/>
           </a:p>
@@ -3446,7 +3447,7 @@
           <a:p>
             <a:fld id="{48A87A34-81AB-432B-8DAE-1953F412C126}" type="datetimeFigureOut">
               <a:rPr lang="en-US" smtClean="0"/>
-              <a:t>4/5/2020</a:t>
+              <a:t>4/28/2020</a:t>
             </a:fld>
             <a:endParaRPr lang="en-US" dirty="0"/>
           </a:p>
@@ -3631,7 +3632,7 @@
             <a:fld id="{48A87A34-81AB-432B-8DAE-1953F412C126}" type="datetimeFigureOut">
               <a:rPr lang="en-US" smtClean="0"/>
               <a:pPr/>
-              <a:t>4/5/2020</a:t>
+              <a:t>4/28/2020</a:t>
             </a:fld>
             <a:endParaRPr lang="en-US" dirty="0"/>
           </a:p>
@@ -3801,7 +3802,7 @@
           <a:p>
             <a:fld id="{48A87A34-81AB-432B-8DAE-1953F412C126}" type="datetimeFigureOut">
               <a:rPr lang="en-US" smtClean="0"/>
-              <a:t>4/5/2020</a:t>
+              <a:t>4/28/2020</a:t>
             </a:fld>
             <a:endParaRPr lang="en-US" dirty="0"/>
           </a:p>
@@ -4046,7 +4047,7 @@
             <a:fld id="{48A87A34-81AB-432B-8DAE-1953F412C126}" type="datetimeFigureOut">
               <a:rPr lang="en-US" smtClean="0"/>
               <a:pPr/>
-              <a:t>4/5/2020</a:t>
+              <a:t>4/28/2020</a:t>
             </a:fld>
             <a:endParaRPr lang="en-US" dirty="0"/>
           </a:p>
@@ -4282,7 +4283,7 @@
           <a:p>
             <a:fld id="{48A87A34-81AB-432B-8DAE-1953F412C126}" type="datetimeFigureOut">
               <a:rPr lang="en-US" smtClean="0"/>
-              <a:t>4/5/2020</a:t>
+              <a:t>4/28/2020</a:t>
             </a:fld>
             <a:endParaRPr lang="en-US" dirty="0"/>
           </a:p>
@@ -4748,7 +4749,7 @@
           <a:p>
             <a:fld id="{48A87A34-81AB-432B-8DAE-1953F412C126}" type="datetimeFigureOut">
               <a:rPr lang="en-US" smtClean="0"/>
-              <a:t>4/5/2020</a:t>
+              <a:t>4/28/2020</a:t>
             </a:fld>
             <a:endParaRPr lang="en-US" dirty="0"/>
           </a:p>
@@ -4866,7 +4867,7 @@
           <a:p>
             <a:fld id="{48A87A34-81AB-432B-8DAE-1953F412C126}" type="datetimeFigureOut">
               <a:rPr lang="en-US" smtClean="0"/>
-              <a:t>4/5/2020</a:t>
+              <a:t>4/28/2020</a:t>
             </a:fld>
             <a:endParaRPr lang="en-US" dirty="0"/>
           </a:p>
@@ -4961,7 +4962,7 @@
           <a:p>
             <a:fld id="{48A87A34-81AB-432B-8DAE-1953F412C126}" type="datetimeFigureOut">
               <a:rPr lang="en-US" smtClean="0"/>
-              <a:t>4/5/2020</a:t>
+              <a:t>4/28/2020</a:t>
             </a:fld>
             <a:endParaRPr lang="en-US" dirty="0"/>
           </a:p>
@@ -5216,7 +5217,7 @@
           <a:p>
             <a:fld id="{48A87A34-81AB-432B-8DAE-1953F412C126}" type="datetimeFigureOut">
               <a:rPr lang="en-US" smtClean="0"/>
-              <a:t>4/5/2020</a:t>
+              <a:t>4/28/2020</a:t>
             </a:fld>
             <a:endParaRPr lang="en-US" dirty="0"/>
           </a:p>
@@ -5516,7 +5517,7 @@
           <a:p>
             <a:fld id="{48A87A34-81AB-432B-8DAE-1953F412C126}" type="datetimeFigureOut">
               <a:rPr lang="en-US" smtClean="0"/>
-              <a:t>4/5/2020</a:t>
+              <a:t>4/28/2020</a:t>
             </a:fld>
             <a:endParaRPr lang="en-US" dirty="0"/>
           </a:p>
@@ -5751,7 +5752,7 @@
             <a:fld id="{48A87A34-81AB-432B-8DAE-1953F412C126}" type="datetimeFigureOut">
               <a:rPr lang="en-US" smtClean="0"/>
               <a:pPr/>
-              <a:t>4/5/2020</a:t>
+              <a:t>4/28/2020</a:t>
             </a:fld>
             <a:endParaRPr lang="en-US" dirty="0"/>
           </a:p>
@@ -6497,7 +6498,7 @@
           <a:p>
             <a:r>
               <a:rPr lang="tr-TR" sz="2800" dirty="0"/>
-              <a:t>Ders Adı: Android Uygulamaya Giriş</a:t>
+              <a:t>Ders Adı: Android Programlamaya Giriş</a:t>
             </a:r>
           </a:p>
           <a:p>
@@ -6555,7 +6556,7 @@
           <p:cNvPr id="2" name="Başlık 1">
             <a:extLst>
               <a:ext uri="{FF2B5EF4-FFF2-40B4-BE49-F238E27FC236}">
-                <a16:creationId xmlns:a16="http://schemas.microsoft.com/office/drawing/2014/main" id="{9B796AE6-A0B2-49E4-A236-DFC6C257D165}"/>
+                <a16:creationId xmlns:a16="http://schemas.microsoft.com/office/drawing/2014/main" id="{3D2162E7-8D3E-4BF9-9945-5CFBDAE7F023}"/>
               </a:ext>
             </a:extLst>
           </p:cNvPr>
@@ -6573,7 +6574,7 @@
           <a:p>
             <a:r>
               <a:rPr lang="tr-TR" dirty="0"/>
-              <a:t>Kelime arama2</a:t>
+              <a:t>Not Kaydetme  -2</a:t>
             </a:r>
           </a:p>
         </p:txBody>
@@ -6583,7 +6584,7 @@
           <p:cNvPr id="3" name="İçerik Yer Tutucusu 2">
             <a:extLst>
               <a:ext uri="{FF2B5EF4-FFF2-40B4-BE49-F238E27FC236}">
-                <a16:creationId xmlns:a16="http://schemas.microsoft.com/office/drawing/2014/main" id="{1B5C513F-62CE-4581-AF76-7AC460AC0E32}"/>
+                <a16:creationId xmlns:a16="http://schemas.microsoft.com/office/drawing/2014/main" id="{C4C0B6AC-F1C1-479C-B11E-35F16EBAC142}"/>
               </a:ext>
             </a:extLst>
           </p:cNvPr>
@@ -6596,8 +6597,8 @@
         </p:nvSpPr>
         <p:spPr>
           <a:xfrm>
-            <a:off x="913795" y="1732449"/>
-            <a:ext cx="5060497" cy="1696551"/>
+            <a:off x="431195" y="1732449"/>
+            <a:ext cx="2972405" cy="4058750"/>
           </a:xfrm>
         </p:spPr>
         <p:txBody>
@@ -6606,76 +6607,50 @@
           <a:p>
             <a:r>
               <a:rPr lang="tr-TR" dirty="0"/>
-              <a:t>Kelime dosyası içerisindeki kelimeleri okuma işlemi aynı satırdaki kelimeleri «;»</a:t>
-            </a:r>
-          </a:p>
-          <a:p>
-            <a:r>
-              <a:rPr lang="tr-TR" dirty="0"/>
-              <a:t>İle ayrılıyor bu sayede kelimeler index’ </a:t>
-            </a:r>
-            <a:r>
-              <a:rPr lang="tr-TR" dirty="0" err="1"/>
-              <a:t>lerine</a:t>
-            </a:r>
-            <a:r>
-              <a:rPr lang="tr-TR" dirty="0"/>
-              <a:t> göre bulunabiliyor. </a:t>
+              <a:t>Kaydedilen notları not adı ile çağırma işlemi</a:t>
             </a:r>
           </a:p>
         </p:txBody>
       </p:sp>
       <p:pic>
         <p:nvPicPr>
-          <p:cNvPr id="5" name="İçerik Yer Tutucusu 4">
+          <p:cNvPr id="6" name="İçerik Yer Tutucusu 5">
             <a:extLst>
               <a:ext uri="{FF2B5EF4-FFF2-40B4-BE49-F238E27FC236}">
-                <a16:creationId xmlns:a16="http://schemas.microsoft.com/office/drawing/2014/main" id="{5E7FC591-3C42-4967-B4A2-03DFD56494FD}"/>
+                <a16:creationId xmlns:a16="http://schemas.microsoft.com/office/drawing/2014/main" id="{5C55044E-347B-4F49-92D8-07ECB3CADC8F}"/>
               </a:ext>
             </a:extLst>
           </p:cNvPr>
           <p:cNvPicPr>
-            <a:picLocks noGrp="1"/>
+            <a:picLocks noGrp="1" noChangeAspect="1"/>
           </p:cNvPicPr>
           <p:nvPr>
             <p:ph sz="half" idx="2"/>
           </p:nvPr>
         </p:nvPicPr>
         <p:blipFill>
-          <a:blip r:embed="rId2">
-            <a:extLst>
-              <a:ext uri="{28A0092B-C50C-407E-A947-70E740481C1C}">
-                <a14:useLocalDpi xmlns:a14="http://schemas.microsoft.com/office/drawing/2010/main" val="0"/>
-              </a:ext>
-            </a:extLst>
-          </a:blip>
+          <a:blip r:embed="rId2"/>
           <a:stretch>
             <a:fillRect/>
           </a:stretch>
         </p:blipFill>
         <p:spPr>
           <a:xfrm>
-            <a:off x="6399649" y="1731963"/>
-            <a:ext cx="4671139" cy="4059237"/>
-          </a:xfrm>
-          <a:prstGeom prst="rect">
-            <a:avLst/>
-          </a:prstGeom>
+            <a:off x="3835400" y="1580050"/>
+            <a:ext cx="7825406" cy="4987437"/>
+          </a:xfrm>
         </p:spPr>
       </p:pic>
     </p:spTree>
     <p:extLst>
       <p:ext uri="{BB962C8B-B14F-4D97-AF65-F5344CB8AC3E}">
-        <p14:creationId xmlns:p14="http://schemas.microsoft.com/office/powerpoint/2010/main" val="1995182832"/>
+        <p14:creationId xmlns:p14="http://schemas.microsoft.com/office/powerpoint/2010/main" val="1570607366"/>
       </p:ext>
     </p:extLst>
   </p:cSld>
   <p:clrMapOvr>
     <a:masterClrMapping/>
   </p:clrMapOvr>
-  <p:transition spd="slow">
-    <p:wipe/>
-  </p:transition>
 </p:sld>
 </file>
 
@@ -6719,7 +6694,7 @@
           <a:p>
             <a:r>
               <a:rPr lang="tr-TR" dirty="0"/>
-              <a:t>Kelime arama3</a:t>
+              <a:t>Kelime arama   -1</a:t>
             </a:r>
           </a:p>
         </p:txBody>
@@ -6742,7 +6717,7 @@
         </p:nvSpPr>
         <p:spPr>
           <a:xfrm>
-            <a:off x="913795" y="2305083"/>
+            <a:off x="609600" y="4616483"/>
             <a:ext cx="5060497" cy="1235340"/>
           </a:xfrm>
         </p:spPr>
@@ -6787,14 +6762,63 @@
         </p:blipFill>
         <p:spPr>
           <a:xfrm>
-            <a:off x="6202363" y="2305083"/>
-            <a:ext cx="5065712" cy="2912997"/>
+            <a:off x="5880100" y="2305083"/>
+            <a:ext cx="5702300" cy="3943317"/>
           </a:xfrm>
           <a:prstGeom prst="rect">
             <a:avLst/>
           </a:prstGeom>
         </p:spPr>
       </p:pic>
+      <p:sp>
+        <p:nvSpPr>
+          <p:cNvPr id="4" name="Metin kutusu 3">
+            <a:extLst>
+              <a:ext uri="{FF2B5EF4-FFF2-40B4-BE49-F238E27FC236}">
+                <a16:creationId xmlns:a16="http://schemas.microsoft.com/office/drawing/2014/main" id="{ADB1972C-EA29-42AF-A4B8-DE98439AF805}"/>
+              </a:ext>
+            </a:extLst>
+          </p:cNvPr>
+          <p:cNvSpPr txBox="1"/>
+          <p:nvPr/>
+        </p:nvSpPr>
+        <p:spPr>
+          <a:xfrm>
+            <a:off x="1041400" y="2062650"/>
+            <a:ext cx="3771900" cy="707886"/>
+          </a:xfrm>
+          <a:prstGeom prst="rect">
+            <a:avLst/>
+          </a:prstGeom>
+          <a:noFill/>
+        </p:spPr>
+        <p:txBody>
+          <a:bodyPr wrap="square" rtlCol="0">
+            <a:spAutoFit/>
+          </a:bodyPr>
+          <a:lstStyle/>
+          <a:p>
+            <a:r>
+              <a:rPr lang="tr-TR" sz="2000" dirty="0">
+                <a:solidFill>
+                  <a:schemeClr val="tx2">
+                    <a:lumMod val="90000"/>
+                  </a:schemeClr>
+                </a:solidFill>
+                <a:effectLst>
+                  <a:outerShdw blurRad="38100" dist="38100" dir="2700000" algn="tl">
+                    <a:srgbClr val="000000">
+                      <a:alpha val="43137"/>
+                    </a:srgbClr>
+                  </a:outerShdw>
+                </a:effectLst>
+                <a:latin typeface="Calisto MT (Gövde)"/>
+              </a:rPr>
+              <a:t>Kelimeleri aramak için java class oluşturdum.</a:t>
+            </a:r>
+          </a:p>
+        </p:txBody>
+      </p:sp>
     </p:spTree>
     <p:extLst>
       <p:ext uri="{BB962C8B-B14F-4D97-AF65-F5344CB8AC3E}">
@@ -6833,7 +6857,7 @@
           <p:cNvPr id="2" name="Başlık 1">
             <a:extLst>
               <a:ext uri="{FF2B5EF4-FFF2-40B4-BE49-F238E27FC236}">
-                <a16:creationId xmlns:a16="http://schemas.microsoft.com/office/drawing/2014/main" id="{31173F70-90E0-4FB8-8575-6CE40A95A1F0}"/>
+                <a16:creationId xmlns:a16="http://schemas.microsoft.com/office/drawing/2014/main" id="{9B796AE6-A0B2-49E4-A236-DFC6C257D165}"/>
               </a:ext>
             </a:extLst>
           </p:cNvPr>
@@ -6844,20 +6868,14 @@
             <p:ph type="title"/>
           </p:nvPr>
         </p:nvSpPr>
-        <p:spPr>
-          <a:xfrm>
-            <a:off x="1790700" y="0"/>
-            <a:ext cx="8610600" cy="1293028"/>
-          </a:xfrm>
-        </p:spPr>
+        <p:spPr/>
         <p:txBody>
           <a:bodyPr/>
           <a:lstStyle/>
           <a:p>
-            <a:pPr algn="ctr"/>
             <a:r>
               <a:rPr lang="tr-TR" dirty="0"/>
-              <a:t>String  Tanımlama</a:t>
+              <a:t>Kelime arama  -2</a:t>
             </a:r>
           </a:p>
         </p:txBody>
@@ -6867,7 +6885,7 @@
           <p:cNvPr id="3" name="İçerik Yer Tutucusu 2">
             <a:extLst>
               <a:ext uri="{FF2B5EF4-FFF2-40B4-BE49-F238E27FC236}">
-                <a16:creationId xmlns:a16="http://schemas.microsoft.com/office/drawing/2014/main" id="{3C1490AA-2A5A-4631-8371-D5B27DD6252D}"/>
+                <a16:creationId xmlns:a16="http://schemas.microsoft.com/office/drawing/2014/main" id="{1B5C513F-62CE-4581-AF76-7AC460AC0E32}"/>
               </a:ext>
             </a:extLst>
           </p:cNvPr>
@@ -6880,85 +6898,67 @@
         </p:nvSpPr>
         <p:spPr>
           <a:xfrm>
-            <a:off x="358629" y="1355661"/>
-            <a:ext cx="6470010" cy="1895540"/>
-          </a:xfrm>
-        </p:spPr>
-        <p:txBody>
-          <a:bodyPr>
-            <a:normAutofit/>
-          </a:bodyPr>
+            <a:off x="913795" y="1732449"/>
+            <a:ext cx="5060497" cy="1696551"/>
+          </a:xfrm>
+        </p:spPr>
+        <p:txBody>
+          <a:bodyPr/>
           <a:lstStyle/>
           <a:p>
             <a:r>
               <a:rPr lang="tr-TR" dirty="0"/>
-              <a:t>Eklediğimiz içerikler için string tanımlamasını yapıyoruz. String tanımlamalarını app/java/res/values/string.xml </a:t>
-            </a:r>
-          </a:p>
-          <a:p>
-            <a:pPr marL="0" indent="0">
-              <a:buNone/>
-            </a:pPr>
+              <a:t>Kelime dosyası içerisindeki kelimeleri okuma işlemi aynı satırdaki kelimeleri «;»</a:t>
+            </a:r>
+          </a:p>
+          <a:p>
             <a:r>
               <a:rPr lang="tr-TR" dirty="0"/>
-              <a:t>     Uyarı simgesine tıklayarak ve alınan hatayı string tanımlayarak oluşturabiliriz.</a:t>
+              <a:t>İle ayrılıyor bu sayede kelimeler index’  </a:t>
+            </a:r>
+            <a:r>
+              <a:rPr lang="tr-TR" dirty="0" err="1"/>
+              <a:t>lerine</a:t>
+            </a:r>
+            <a:r>
+              <a:rPr lang="tr-TR" dirty="0"/>
+              <a:t> göre bulunabiliyor. </a:t>
             </a:r>
           </a:p>
         </p:txBody>
       </p:sp>
       <p:pic>
         <p:nvPicPr>
-          <p:cNvPr id="6" name="İçerik Yer Tutucusu 5">
+          <p:cNvPr id="5" name="İçerik Yer Tutucusu 4">
             <a:extLst>
               <a:ext uri="{FF2B5EF4-FFF2-40B4-BE49-F238E27FC236}">
-                <a16:creationId xmlns:a16="http://schemas.microsoft.com/office/drawing/2014/main" id="{DB9B7D9E-445C-4720-A920-270D60897CEA}"/>
+                <a16:creationId xmlns:a16="http://schemas.microsoft.com/office/drawing/2014/main" id="{5E7FC591-3C42-4967-B4A2-03DFD56494FD}"/>
               </a:ext>
             </a:extLst>
           </p:cNvPr>
           <p:cNvPicPr>
-            <a:picLocks noGrp="1" noChangeAspect="1"/>
+            <a:picLocks noGrp="1"/>
           </p:cNvPicPr>
           <p:nvPr>
             <p:ph sz="half" idx="2"/>
           </p:nvPr>
         </p:nvPicPr>
         <p:blipFill>
-          <a:blip r:embed="rId2"/>
+          <a:blip r:embed="rId2">
+            <a:extLst>
+              <a:ext uri="{28A0092B-C50C-407E-A947-70E740481C1C}">
+                <a14:useLocalDpi xmlns:a14="http://schemas.microsoft.com/office/drawing/2010/main" val="0"/>
+              </a:ext>
+            </a:extLst>
+          </a:blip>
           <a:stretch>
             <a:fillRect/>
           </a:stretch>
         </p:blipFill>
         <p:spPr>
           <a:xfrm>
-            <a:off x="7165384" y="1628764"/>
-            <a:ext cx="3864274" cy="1406536"/>
-          </a:xfrm>
-        </p:spPr>
-      </p:pic>
-      <p:pic>
-        <p:nvPicPr>
-          <p:cNvPr id="10" name="Resim 9">
-            <a:extLst>
-              <a:ext uri="{FF2B5EF4-FFF2-40B4-BE49-F238E27FC236}">
-                <a16:creationId xmlns:a16="http://schemas.microsoft.com/office/drawing/2014/main" id="{CCF7F838-0556-4DD9-BD19-2D3CA425D88C}"/>
-              </a:ext>
-            </a:extLst>
-          </p:cNvPr>
-          <p:cNvPicPr>
-            <a:picLocks noChangeAspect="1"/>
-          </p:cNvPicPr>
-          <p:nvPr/>
-        </p:nvPicPr>
-        <p:blipFill>
-          <a:blip r:embed="rId3"/>
-          <a:stretch>
-            <a:fillRect/>
-          </a:stretch>
-        </p:blipFill>
-        <p:spPr>
-          <a:xfrm>
-            <a:off x="1790700" y="4144161"/>
-            <a:ext cx="8505990" cy="2287274"/>
+            <a:off x="5974292" y="1732449"/>
+            <a:ext cx="5671607" cy="4655651"/>
           </a:xfrm>
           <a:prstGeom prst="rect">
             <a:avLst/>
@@ -6968,7 +6968,7 @@
     </p:spTree>
     <p:extLst>
       <p:ext uri="{BB962C8B-B14F-4D97-AF65-F5344CB8AC3E}">
-        <p14:creationId xmlns:p14="http://schemas.microsoft.com/office/powerpoint/2010/main" val="3189111263"/>
+        <p14:creationId xmlns:p14="http://schemas.microsoft.com/office/powerpoint/2010/main" val="1995182832"/>
       </p:ext>
     </p:extLst>
   </p:cSld>
@@ -7003,6 +7003,176 @@
           <p:cNvPr id="2" name="Başlık 1">
             <a:extLst>
               <a:ext uri="{FF2B5EF4-FFF2-40B4-BE49-F238E27FC236}">
+                <a16:creationId xmlns:a16="http://schemas.microsoft.com/office/drawing/2014/main" id="{31173F70-90E0-4FB8-8575-6CE40A95A1F0}"/>
+              </a:ext>
+            </a:extLst>
+          </p:cNvPr>
+          <p:cNvSpPr>
+            <a:spLocks noGrp="1"/>
+          </p:cNvSpPr>
+          <p:nvPr>
+            <p:ph type="title"/>
+          </p:nvPr>
+        </p:nvSpPr>
+        <p:spPr>
+          <a:xfrm>
+            <a:off x="1790700" y="0"/>
+            <a:ext cx="8610600" cy="1293028"/>
+          </a:xfrm>
+        </p:spPr>
+        <p:txBody>
+          <a:bodyPr/>
+          <a:lstStyle/>
+          <a:p>
+            <a:pPr algn="ctr"/>
+            <a:r>
+              <a:rPr lang="tr-TR" dirty="0"/>
+              <a:t>String  Tanımlama</a:t>
+            </a:r>
+          </a:p>
+        </p:txBody>
+      </p:sp>
+      <p:sp>
+        <p:nvSpPr>
+          <p:cNvPr id="3" name="İçerik Yer Tutucusu 2">
+            <a:extLst>
+              <a:ext uri="{FF2B5EF4-FFF2-40B4-BE49-F238E27FC236}">
+                <a16:creationId xmlns:a16="http://schemas.microsoft.com/office/drawing/2014/main" id="{3C1490AA-2A5A-4631-8371-D5B27DD6252D}"/>
+              </a:ext>
+            </a:extLst>
+          </p:cNvPr>
+          <p:cNvSpPr>
+            <a:spLocks noGrp="1"/>
+          </p:cNvSpPr>
+          <p:nvPr>
+            <p:ph sz="half" idx="1"/>
+          </p:nvPr>
+        </p:nvSpPr>
+        <p:spPr>
+          <a:xfrm>
+            <a:off x="358629" y="1355661"/>
+            <a:ext cx="6470010" cy="1895540"/>
+          </a:xfrm>
+        </p:spPr>
+        <p:txBody>
+          <a:bodyPr>
+            <a:normAutofit/>
+          </a:bodyPr>
+          <a:lstStyle/>
+          <a:p>
+            <a:r>
+              <a:rPr lang="tr-TR" dirty="0"/>
+              <a:t>Eklediğimiz içerikler için string tanımlamasını yapıyoruz. String tanımlamalarını app/java/res/values/string.xml </a:t>
+            </a:r>
+          </a:p>
+          <a:p>
+            <a:pPr marL="0" indent="0">
+              <a:buNone/>
+            </a:pPr>
+            <a:r>
+              <a:rPr lang="tr-TR" dirty="0"/>
+              <a:t>     Uyarı simgesine tıklayarak ve alınan hatayı string tanımlayarak oluşturabiliriz.</a:t>
+            </a:r>
+          </a:p>
+        </p:txBody>
+      </p:sp>
+      <p:pic>
+        <p:nvPicPr>
+          <p:cNvPr id="6" name="İçerik Yer Tutucusu 5">
+            <a:extLst>
+              <a:ext uri="{FF2B5EF4-FFF2-40B4-BE49-F238E27FC236}">
+                <a16:creationId xmlns:a16="http://schemas.microsoft.com/office/drawing/2014/main" id="{DB9B7D9E-445C-4720-A920-270D60897CEA}"/>
+              </a:ext>
+            </a:extLst>
+          </p:cNvPr>
+          <p:cNvPicPr>
+            <a:picLocks noGrp="1" noChangeAspect="1"/>
+          </p:cNvPicPr>
+          <p:nvPr>
+            <p:ph sz="half" idx="2"/>
+          </p:nvPr>
+        </p:nvPicPr>
+        <p:blipFill>
+          <a:blip r:embed="rId2"/>
+          <a:stretch>
+            <a:fillRect/>
+          </a:stretch>
+        </p:blipFill>
+        <p:spPr>
+          <a:xfrm>
+            <a:off x="7165384" y="1628764"/>
+            <a:ext cx="3864274" cy="1406536"/>
+          </a:xfrm>
+        </p:spPr>
+      </p:pic>
+      <p:pic>
+        <p:nvPicPr>
+          <p:cNvPr id="10" name="Resim 9">
+            <a:extLst>
+              <a:ext uri="{FF2B5EF4-FFF2-40B4-BE49-F238E27FC236}">
+                <a16:creationId xmlns:a16="http://schemas.microsoft.com/office/drawing/2014/main" id="{CCF7F838-0556-4DD9-BD19-2D3CA425D88C}"/>
+              </a:ext>
+            </a:extLst>
+          </p:cNvPr>
+          <p:cNvPicPr>
+            <a:picLocks noChangeAspect="1"/>
+          </p:cNvPicPr>
+          <p:nvPr/>
+        </p:nvPicPr>
+        <p:blipFill>
+          <a:blip r:embed="rId3"/>
+          <a:stretch>
+            <a:fillRect/>
+          </a:stretch>
+        </p:blipFill>
+        <p:spPr>
+          <a:xfrm>
+            <a:off x="1790700" y="4144161"/>
+            <a:ext cx="8505990" cy="2287274"/>
+          </a:xfrm>
+          <a:prstGeom prst="rect">
+            <a:avLst/>
+          </a:prstGeom>
+        </p:spPr>
+      </p:pic>
+    </p:spTree>
+    <p:extLst>
+      <p:ext uri="{BB962C8B-B14F-4D97-AF65-F5344CB8AC3E}">
+        <p14:creationId xmlns:p14="http://schemas.microsoft.com/office/powerpoint/2010/main" val="3189111263"/>
+      </p:ext>
+    </p:extLst>
+  </p:cSld>
+  <p:clrMapOvr>
+    <a:masterClrMapping/>
+  </p:clrMapOvr>
+  <p:transition spd="slow">
+    <p:wipe/>
+  </p:transition>
+</p:sld>
+</file>
+
+<file path=ppt/slides/slide14.xml><?xml version="1.0" encoding="utf-8"?>
+<p:sld xmlns:a="http://schemas.openxmlformats.org/drawingml/2006/main" xmlns:r="http://schemas.openxmlformats.org/officeDocument/2006/relationships" xmlns:p="http://schemas.openxmlformats.org/presentationml/2006/main">
+  <p:cSld>
+    <p:spTree>
+      <p:nvGrpSpPr>
+        <p:cNvPr id="1" name=""/>
+        <p:cNvGrpSpPr/>
+        <p:nvPr/>
+      </p:nvGrpSpPr>
+      <p:grpSpPr>
+        <a:xfrm>
+          <a:off x="0" y="0"/>
+          <a:ext cx="0" cy="0"/>
+          <a:chOff x="0" y="0"/>
+          <a:chExt cx="0" cy="0"/>
+        </a:xfrm>
+      </p:grpSpPr>
+      <p:sp>
+        <p:nvSpPr>
+          <p:cNvPr id="2" name="Başlık 1">
+            <a:extLst>
+              <a:ext uri="{FF2B5EF4-FFF2-40B4-BE49-F238E27FC236}">
                 <a16:creationId xmlns:a16="http://schemas.microsoft.com/office/drawing/2014/main" id="{E37AEA6C-FE46-4592-BF98-091BCAC69E61}"/>
               </a:ext>
             </a:extLst>
@@ -7219,7 +7389,7 @@
 </p:sld>
 </file>
 
-<file path=ppt/slides/slide14.xml><?xml version="1.0" encoding="utf-8"?>
+<file path=ppt/slides/slide15.xml><?xml version="1.0" encoding="utf-8"?>
 <p:sld xmlns:a="http://schemas.openxmlformats.org/drawingml/2006/main" xmlns:r="http://schemas.openxmlformats.org/officeDocument/2006/relationships" xmlns:p="http://schemas.openxmlformats.org/presentationml/2006/main">
   <p:cSld>
     <p:spTree>
@@ -8310,7 +8480,7 @@
         </p:blipFill>
         <p:spPr>
           <a:xfrm>
-            <a:off x="6377469" y="3106403"/>
+            <a:off x="6336219" y="2454442"/>
             <a:ext cx="4715510" cy="3019425"/>
           </a:xfrm>
           <a:prstGeom prst="rect">
@@ -8344,7 +8514,7 @@
         </p:blipFill>
         <p:spPr>
           <a:xfrm>
-            <a:off x="1140271" y="3106402"/>
+            <a:off x="1181521" y="2454442"/>
             <a:ext cx="4674261" cy="3019425"/>
           </a:xfrm>
           <a:prstGeom prst="rect">
@@ -8431,7 +8601,7 @@
         </p:nvSpPr>
         <p:spPr>
           <a:xfrm>
-            <a:off x="540029" y="2122598"/>
+            <a:off x="330200" y="1982899"/>
             <a:ext cx="5064665" cy="970451"/>
           </a:xfrm>
         </p:spPr>
@@ -8476,8 +8646,8 @@
         </p:blipFill>
         <p:spPr>
           <a:xfrm>
-            <a:off x="6090676" y="2122598"/>
-            <a:ext cx="5059363" cy="3310046"/>
+            <a:off x="5604694" y="1905000"/>
+            <a:ext cx="6257106" cy="4508500"/>
           </a:xfrm>
           <a:prstGeom prst="rect">
             <a:avLst/>

--- a/Kotlin Sözlük Uygulaması Proje/Sözlük Uygulaması.pptx
+++ b/Kotlin Sözlük Uygulaması Proje/Sözlük Uygulaması.pptx
@@ -7436,7 +7436,7 @@
           <a:p>
             <a:r>
               <a:rPr lang="tr-TR" dirty="0"/>
-              <a:t>Sunumumu dinlediğiniz için hepinize teşekkürler.</a:t>
+              <a:t>Sunumumu dinlediğiniz için teşekkürler.</a:t>
             </a:r>
           </a:p>
         </p:txBody>
